--- a/중간발표.pptx
+++ b/중간발표.pptx
@@ -112,7 +112,7 @@
   </p:defaultTextStyle>
   <p:extLst>
     <p:ext uri="{EFAFB233-063F-42B5-8137-9DF3F51BA10A}">
-      <p15:sldGuideLst xmlns:p15="http://schemas.microsoft.com/office/powerpoint/2012/main"/>
+      <p15:sldGuideLst xmlns:p15="http://schemas.microsoft.com/office/powerpoint/2012/main" xmlns=""/>
     </p:ext>
   </p:extLst>
 </p:presentation>
@@ -533,7 +533,7 @@
           <a:p>
             <a:fld id="{59252581-BDF6-4E06-835F-78A37B9C59DB}" type="datetimeFigureOut">
               <a:rPr lang="ko-KR" altLang="en-US" smtClean="0"/>
-              <a:t>2024-11-14</a:t>
+              <a:t>2024-11-15</a:t>
             </a:fld>
             <a:endParaRPr lang="ko-KR" altLang="en-US"/>
           </a:p>
@@ -708,7 +708,7 @@
           <a:p>
             <a:fld id="{59252581-BDF6-4E06-835F-78A37B9C59DB}" type="datetimeFigureOut">
               <a:rPr lang="ko-KR" altLang="en-US" smtClean="0"/>
-              <a:t>2024-11-14</a:t>
+              <a:t>2024-11-15</a:t>
             </a:fld>
             <a:endParaRPr lang="ko-KR" altLang="en-US"/>
           </a:p>
@@ -1086,7 +1086,7 @@
           <a:p>
             <a:fld id="{59252581-BDF6-4E06-835F-78A37B9C59DB}" type="datetimeFigureOut">
               <a:rPr lang="ko-KR" altLang="en-US" smtClean="0"/>
-              <a:t>2024-11-14</a:t>
+              <a:t>2024-11-15</a:t>
             </a:fld>
             <a:endParaRPr lang="ko-KR" altLang="en-US"/>
           </a:p>
@@ -1256,7 +1256,7 @@
           <a:p>
             <a:fld id="{59252581-BDF6-4E06-835F-78A37B9C59DB}" type="datetimeFigureOut">
               <a:rPr lang="ko-KR" altLang="en-US" smtClean="0"/>
-              <a:t>2024-11-14</a:t>
+              <a:t>2024-11-15</a:t>
             </a:fld>
             <a:endParaRPr lang="ko-KR" altLang="en-US"/>
           </a:p>
@@ -1483,7 +1483,7 @@
           <a:p>
             <a:fld id="{59252581-BDF6-4E06-835F-78A37B9C59DB}" type="datetimeFigureOut">
               <a:rPr lang="ko-KR" altLang="en-US" smtClean="0"/>
-              <a:t>2024-11-14</a:t>
+              <a:t>2024-11-15</a:t>
             </a:fld>
             <a:endParaRPr lang="ko-KR" altLang="en-US"/>
           </a:p>
@@ -2014,7 +2014,7 @@
           <a:p>
             <a:fld id="{59252581-BDF6-4E06-835F-78A37B9C59DB}" type="datetimeFigureOut">
               <a:rPr lang="ko-KR" altLang="en-US" smtClean="0"/>
-              <a:t>2024-11-14</a:t>
+              <a:t>2024-11-15</a:t>
             </a:fld>
             <a:endParaRPr lang="ko-KR" altLang="en-US"/>
           </a:p>
@@ -2510,7 +2510,7 @@
           <a:p>
             <a:fld id="{59252581-BDF6-4E06-835F-78A37B9C59DB}" type="datetimeFigureOut">
               <a:rPr lang="ko-KR" altLang="en-US" smtClean="0"/>
-              <a:t>2024-11-14</a:t>
+              <a:t>2024-11-15</a:t>
             </a:fld>
             <a:endParaRPr lang="ko-KR" altLang="en-US"/>
           </a:p>
@@ -2843,7 +2843,7 @@
           <a:p>
             <a:fld id="{59252581-BDF6-4E06-835F-78A37B9C59DB}" type="datetimeFigureOut">
               <a:rPr lang="ko-KR" altLang="en-US" smtClean="0"/>
-              <a:t>2024-11-14</a:t>
+              <a:t>2024-11-15</a:t>
             </a:fld>
             <a:endParaRPr lang="ko-KR" altLang="en-US"/>
           </a:p>
@@ -3232,7 +3232,7 @@
           <a:p>
             <a:fld id="{59252581-BDF6-4E06-835F-78A37B9C59DB}" type="datetimeFigureOut">
               <a:rPr lang="ko-KR" altLang="en-US" smtClean="0"/>
-              <a:t>2024-11-14</a:t>
+              <a:t>2024-11-15</a:t>
             </a:fld>
             <a:endParaRPr lang="ko-KR" altLang="en-US"/>
           </a:p>
@@ -3456,7 +3456,7 @@
           <a:p>
             <a:fld id="{59252581-BDF6-4E06-835F-78A37B9C59DB}" type="datetimeFigureOut">
               <a:rPr lang="ko-KR" altLang="en-US" smtClean="0"/>
-              <a:t>2024-11-14</a:t>
+              <a:t>2024-11-15</a:t>
             </a:fld>
             <a:endParaRPr lang="ko-KR" altLang="en-US"/>
           </a:p>
@@ -3815,7 +3815,7 @@
           <a:p>
             <a:fld id="{59252581-BDF6-4E06-835F-78A37B9C59DB}" type="datetimeFigureOut">
               <a:rPr lang="ko-KR" altLang="en-US" smtClean="0"/>
-              <a:t>2024-11-14</a:t>
+              <a:t>2024-11-15</a:t>
             </a:fld>
             <a:endParaRPr lang="ko-KR" altLang="en-US"/>
           </a:p>
@@ -4226,7 +4226,7 @@
           <a:p>
             <a:fld id="{59252581-BDF6-4E06-835F-78A37B9C59DB}" type="datetimeFigureOut">
               <a:rPr lang="ko-KR" altLang="en-US" smtClean="0"/>
-              <a:t>2024-11-14</a:t>
+              <a:t>2024-11-15</a:t>
             </a:fld>
             <a:endParaRPr lang="ko-KR" altLang="en-US"/>
           </a:p>
@@ -4682,7 +4682,7 @@
           <p:cNvPr id="2" name="제목 1">
             <a:extLst>
               <a:ext uri="{FF2B5EF4-FFF2-40B4-BE49-F238E27FC236}">
-                <a16:creationId xmlns:a16="http://schemas.microsoft.com/office/drawing/2014/main" id="{64B9BB4A-4275-C449-D3B5-CB8737645E4A}"/>
+                <a16:creationId xmlns:a16="http://schemas.microsoft.com/office/drawing/2014/main" xmlns="" id="{64B9BB4A-4275-C449-D3B5-CB8737645E4A}"/>
               </a:ext>
             </a:extLst>
           </p:cNvPr>
@@ -4708,6 +4708,10 @@
             <a:r>
               <a:rPr lang="ko-KR" altLang="en-US" sz="8000" dirty="0"/>
               <a:t>노래 맞추기 사이트</a:t>
+            </a:r>
+            <a:r>
+              <a:rPr lang="en-US" altLang="ko-KR" sz="8000" dirty="0"/>
+              <a:t/>
             </a:r>
             <a:br>
               <a:rPr lang="en-US" altLang="ko-KR" sz="8000" dirty="0"/>
@@ -4729,14 +4733,21 @@
   <p:clrMapOvr>
     <a:masterClrMapping/>
   </p:clrMapOvr>
-  <mc:AlternateContent xmlns:mc="http://schemas.openxmlformats.org/markup-compatibility/2006">
-    <mc:Choice xmlns:p14="http://schemas.microsoft.com/office/powerpoint/2010/main" Requires="p14">
+  <mc:AlternateContent xmlns:mc="http://schemas.openxmlformats.org/markup-compatibility/2006" xmlns:p14="http://schemas.microsoft.com/office/powerpoint/2010/main">
+    <mc:Choice Requires="p14">
       <p:transition spd="slow" p14:dur="2000" advTm="102715"/>
     </mc:Choice>
-    <mc:Fallback>
+    <mc:Fallback xmlns="">
       <p:transition spd="slow" advTm="102715"/>
     </mc:Fallback>
   </mc:AlternateContent>
+  <p:timing>
+    <p:tnLst>
+      <p:par>
+        <p:cTn id="1" dur="indefinite" restart="never" nodeType="tmRoot"/>
+      </p:par>
+    </p:tnLst>
+  </p:timing>
 </p:sld>
 </file>
 
@@ -4762,7 +4773,7 @@
           <p:cNvPr id="2" name="제목 1">
             <a:extLst>
               <a:ext uri="{FF2B5EF4-FFF2-40B4-BE49-F238E27FC236}">
-                <a16:creationId xmlns:a16="http://schemas.microsoft.com/office/drawing/2014/main" id="{585DC44C-254C-F323-3D2B-52E78EB0E1DE}"/>
+                <a16:creationId xmlns:a16="http://schemas.microsoft.com/office/drawing/2014/main" xmlns="" id="{585DC44C-254C-F323-3D2B-52E78EB0E1DE}"/>
               </a:ext>
             </a:extLst>
           </p:cNvPr>
@@ -4790,7 +4801,7 @@
           <p:cNvPr id="3" name="내용 개체 틀 2">
             <a:extLst>
               <a:ext uri="{FF2B5EF4-FFF2-40B4-BE49-F238E27FC236}">
-                <a16:creationId xmlns:a16="http://schemas.microsoft.com/office/drawing/2014/main" id="{C71F441A-4FBD-5403-D635-8FD3E0A58EE0}"/>
+                <a16:creationId xmlns:a16="http://schemas.microsoft.com/office/drawing/2014/main" xmlns="" id="{C71F441A-4FBD-5403-D635-8FD3E0A58EE0}"/>
               </a:ext>
             </a:extLst>
           </p:cNvPr>
@@ -4847,6 +4858,13 @@
   <p:clrMapOvr>
     <a:masterClrMapping/>
   </p:clrMapOvr>
+  <p:timing>
+    <p:tnLst>
+      <p:par>
+        <p:cTn id="1" dur="indefinite" restart="never" nodeType="tmRoot"/>
+      </p:par>
+    </p:tnLst>
+  </p:timing>
 </p:sld>
 </file>
 
@@ -4872,7 +4890,7 @@
           <p:cNvPr id="2" name="제목 1">
             <a:extLst>
               <a:ext uri="{FF2B5EF4-FFF2-40B4-BE49-F238E27FC236}">
-                <a16:creationId xmlns:a16="http://schemas.microsoft.com/office/drawing/2014/main" id="{3DFB5B14-6509-28C0-BB0E-54E61E141629}"/>
+                <a16:creationId xmlns:a16="http://schemas.microsoft.com/office/drawing/2014/main" xmlns="" id="{3DFB5B14-6509-28C0-BB0E-54E61E141629}"/>
               </a:ext>
             </a:extLst>
           </p:cNvPr>
@@ -4913,6 +4931,13 @@
   <p:clrMapOvr>
     <a:masterClrMapping/>
   </p:clrMapOvr>
+  <p:timing>
+    <p:tnLst>
+      <p:par>
+        <p:cTn id="1" dur="indefinite" restart="never" nodeType="tmRoot"/>
+      </p:par>
+    </p:tnLst>
+  </p:timing>
 </p:sld>
 </file>
 
@@ -4939,7 +4964,7 @@
             <a:hlinkClick r:id="" action="ppaction://media"/>
             <a:extLst>
               <a:ext uri="{FF2B5EF4-FFF2-40B4-BE49-F238E27FC236}">
-                <a16:creationId xmlns:a16="http://schemas.microsoft.com/office/drawing/2014/main" id="{762D86D6-7984-4CCF-D0D6-075DDC25873E}"/>
+                <a16:creationId xmlns:a16="http://schemas.microsoft.com/office/drawing/2014/main" xmlns="" id="{762D86D6-7984-4CCF-D0D6-075DDC25873E}"/>
               </a:ext>
             </a:extLst>
           </p:cNvPr>
@@ -4981,11 +5006,11 @@
   <p:clrMapOvr>
     <a:masterClrMapping/>
   </p:clrMapOvr>
-  <mc:AlternateContent xmlns:mc="http://schemas.openxmlformats.org/markup-compatibility/2006">
-    <mc:Choice xmlns:p14="http://schemas.microsoft.com/office/powerpoint/2010/main" Requires="p14">
+  <mc:AlternateContent xmlns:mc="http://schemas.openxmlformats.org/markup-compatibility/2006" xmlns:p14="http://schemas.microsoft.com/office/powerpoint/2010/main">
+    <mc:Choice Requires="p14">
       <p:transition spd="slow" p14:dur="2000" advTm="29515"/>
     </mc:Choice>
-    <mc:Fallback>
+    <mc:Fallback xmlns="">
       <p:transition spd="slow" advTm="29515"/>
     </mc:Fallback>
   </mc:AlternateContent>
@@ -5053,7 +5078,7 @@
               </p:nextCondLst>
             </p:seq>
             <p:video>
-              <p:cMediaNode vol="80000">
+              <p:cMediaNode vol="80000" mute="1">
                 <p:cTn id="7" fill="hold" display="0">
                   <p:stCondLst>
                     <p:cond delay="indefinite"/>
@@ -5152,7 +5177,7 @@
           <p:cNvPr id="2" name="제목 1">
             <a:extLst>
               <a:ext uri="{FF2B5EF4-FFF2-40B4-BE49-F238E27FC236}">
-                <a16:creationId xmlns:a16="http://schemas.microsoft.com/office/drawing/2014/main" id="{E4C192FF-C63A-44CF-E277-EDDA931DF91E}"/>
+                <a16:creationId xmlns:a16="http://schemas.microsoft.com/office/drawing/2014/main" xmlns="" id="{E4C192FF-C63A-44CF-E277-EDDA931DF91E}"/>
               </a:ext>
             </a:extLst>
           </p:cNvPr>
@@ -5180,7 +5205,7 @@
           <p:cNvPr id="3" name="내용 개체 틀 2">
             <a:extLst>
               <a:ext uri="{FF2B5EF4-FFF2-40B4-BE49-F238E27FC236}">
-                <a16:creationId xmlns:a16="http://schemas.microsoft.com/office/drawing/2014/main" id="{30AC28F9-9DF4-5BC1-BAE5-FD188C26A04D}"/>
+                <a16:creationId xmlns:a16="http://schemas.microsoft.com/office/drawing/2014/main" xmlns="" id="{30AC28F9-9DF4-5BC1-BAE5-FD188C26A04D}"/>
               </a:ext>
             </a:extLst>
           </p:cNvPr>
@@ -5249,6 +5274,13 @@
   <p:clrMapOvr>
     <a:masterClrMapping/>
   </p:clrMapOvr>
+  <p:timing>
+    <p:tnLst>
+      <p:par>
+        <p:cTn id="1" dur="indefinite" restart="never" nodeType="tmRoot"/>
+      </p:par>
+    </p:tnLst>
+  </p:timing>
 </p:sld>
 </file>
 
@@ -5274,7 +5306,7 @@
           <p:cNvPr id="2" name="제목 1">
             <a:extLst>
               <a:ext uri="{FF2B5EF4-FFF2-40B4-BE49-F238E27FC236}">
-                <a16:creationId xmlns:a16="http://schemas.microsoft.com/office/drawing/2014/main" id="{F92CFCA9-65F0-5802-A3AB-CA8195B6739F}"/>
+                <a16:creationId xmlns:a16="http://schemas.microsoft.com/office/drawing/2014/main" xmlns="" id="{F92CFCA9-65F0-5802-A3AB-CA8195B6739F}"/>
               </a:ext>
             </a:extLst>
           </p:cNvPr>
@@ -5302,7 +5334,7 @@
           <p:cNvPr id="3" name="내용 개체 틀 2">
             <a:extLst>
               <a:ext uri="{FF2B5EF4-FFF2-40B4-BE49-F238E27FC236}">
-                <a16:creationId xmlns:a16="http://schemas.microsoft.com/office/drawing/2014/main" id="{B7EABCF5-4042-5319-A481-3B86A65B403B}"/>
+                <a16:creationId xmlns:a16="http://schemas.microsoft.com/office/drawing/2014/main" xmlns="" id="{B7EABCF5-4042-5319-A481-3B86A65B403B}"/>
               </a:ext>
             </a:extLst>
           </p:cNvPr>
@@ -5387,6 +5419,13 @@
   <p:clrMapOvr>
     <a:masterClrMapping/>
   </p:clrMapOvr>
+  <p:timing>
+    <p:tnLst>
+      <p:par>
+        <p:cTn id="1" dur="indefinite" restart="never" nodeType="tmRoot"/>
+      </p:par>
+    </p:tnLst>
+  </p:timing>
 </p:sld>
 </file>
 
@@ -5412,7 +5451,7 @@
           <p:cNvPr id="2" name="제목 1">
             <a:extLst>
               <a:ext uri="{FF2B5EF4-FFF2-40B4-BE49-F238E27FC236}">
-                <a16:creationId xmlns:a16="http://schemas.microsoft.com/office/drawing/2014/main" id="{C7FC3AC2-01E0-244D-0678-4BDC63225C2A}"/>
+                <a16:creationId xmlns:a16="http://schemas.microsoft.com/office/drawing/2014/main" xmlns="" id="{C7FC3AC2-01E0-244D-0678-4BDC63225C2A}"/>
               </a:ext>
             </a:extLst>
           </p:cNvPr>
@@ -5454,6 +5493,13 @@
   <p:clrMapOvr>
     <a:masterClrMapping/>
   </p:clrMapOvr>
+  <p:timing>
+    <p:tnLst>
+      <p:par>
+        <p:cTn id="1" dur="indefinite" restart="never" nodeType="tmRoot"/>
+      </p:par>
+    </p:tnLst>
+  </p:timing>
 </p:sld>
 </file>
 
